--- a/IoT 60h/Protocolos de comunicacao/Bluetooth Low Energy (BLE).pptx
+++ b/IoT 60h/Protocolos de comunicacao/Bluetooth Low Energy (BLE).pptx
@@ -19,6 +19,7 @@
     <p:sldId id="267" r:id="rId13"/>
     <p:sldId id="268" r:id="rId14"/>
     <p:sldId id="269" r:id="rId15"/>
+    <p:sldId id="270" r:id="rId16"/>
   </p:sldIdLst>
   <p:sldSz cx="12192000" cy="6858000"/>
   <p:notesSz cx="6858000" cy="9144000"/>
@@ -117,6 +118,11 @@
       </a:defRPr>
     </a:lvl9pPr>
   </p:defaultTextStyle>
+  <p:extLst>
+    <p:ext uri="{EFAFB233-063F-42B5-8137-9DF3F51BA10A}">
+      <p15:sldGuideLst xmlns:p15="http://schemas.microsoft.com/office/powerpoint/2012/main"/>
+    </p:ext>
+  </p:extLst>
 </p:presentation>
 </file>
 
@@ -170,7 +176,7 @@
           <a:noFill/>
           <a:extLst>
             <a:ext uri="{909E8E84-426E-40dd-AFC4-6F175D3DCCD1}">
-              <a14:hiddenFill xmlns:a14="http://schemas.microsoft.com/office/drawing/2010/main" xmlns="">
+              <a14:hiddenFill xmlns="" xmlns:a14="http://schemas.microsoft.com/office/drawing/2010/main">
                 <a:solidFill>
                   <a:srgbClr val="FFFFFF"/>
                 </a:solidFill>
@@ -230,7 +236,7 @@
             </a:ln>
             <a:extLst>
               <a:ext uri="{91240B29-F687-4f45-9708-019B960494DF}">
-                <a14:hiddenLine xmlns:a14="http://schemas.microsoft.com/office/drawing/2010/main" xmlns="" w="9525">
+                <a14:hiddenLine xmlns="" xmlns:a14="http://schemas.microsoft.com/office/drawing/2010/main" w="9525">
                   <a:solidFill>
                     <a:srgbClr val="000000"/>
                   </a:solidFill>
@@ -320,7 +326,7 @@
             </a:ln>
             <a:extLst>
               <a:ext uri="{91240B29-F687-4f45-9708-019B960494DF}">
-                <a14:hiddenLine xmlns:a14="http://schemas.microsoft.com/office/drawing/2010/main" xmlns="" w="9525">
+                <a14:hiddenLine xmlns="" xmlns:a14="http://schemas.microsoft.com/office/drawing/2010/main" w="9525">
                   <a:solidFill>
                     <a:srgbClr val="000000"/>
                   </a:solidFill>
@@ -410,7 +416,7 @@
             </a:ln>
             <a:extLst>
               <a:ext uri="{91240B29-F687-4f45-9708-019B960494DF}">
-                <a14:hiddenLine xmlns:a14="http://schemas.microsoft.com/office/drawing/2010/main" xmlns="" w="9525">
+                <a14:hiddenLine xmlns="" xmlns:a14="http://schemas.microsoft.com/office/drawing/2010/main" w="9525">
                   <a:solidFill>
                     <a:srgbClr val="000000"/>
                   </a:solidFill>
@@ -444,7 +450,7 @@
             </a:ln>
             <a:extLst>
               <a:ext uri="{91240B29-F687-4f45-9708-019B960494DF}">
-                <a14:hiddenLine xmlns:a14="http://schemas.microsoft.com/office/drawing/2010/main" xmlns="" w="9525">
+                <a14:hiddenLine xmlns="" xmlns:a14="http://schemas.microsoft.com/office/drawing/2010/main" w="9525">
                   <a:solidFill>
                     <a:srgbClr val="000000"/>
                   </a:solidFill>
@@ -534,7 +540,7 @@
             </a:ln>
             <a:extLst>
               <a:ext uri="{91240B29-F687-4f45-9708-019B960494DF}">
-                <a14:hiddenLine xmlns:a14="http://schemas.microsoft.com/office/drawing/2010/main" xmlns="" w="9525">
+                <a14:hiddenLine xmlns="" xmlns:a14="http://schemas.microsoft.com/office/drawing/2010/main" w="9525">
                   <a:solidFill>
                     <a:srgbClr val="000000"/>
                   </a:solidFill>
@@ -596,7 +602,7 @@
             </a:ln>
             <a:extLst>
               <a:ext uri="{91240B29-F687-4f45-9708-019B960494DF}">
-                <a14:hiddenLine xmlns:a14="http://schemas.microsoft.com/office/drawing/2010/main" xmlns="" w="9525">
+                <a14:hiddenLine xmlns="" xmlns:a14="http://schemas.microsoft.com/office/drawing/2010/main" w="9525">
                   <a:solidFill>
                     <a:srgbClr val="000000"/>
                   </a:solidFill>
@@ -658,7 +664,7 @@
             </a:ln>
             <a:extLst>
               <a:ext uri="{91240B29-F687-4f45-9708-019B960494DF}">
-                <a14:hiddenLine xmlns:a14="http://schemas.microsoft.com/office/drawing/2010/main" xmlns="" w="9525">
+                <a14:hiddenLine xmlns="" xmlns:a14="http://schemas.microsoft.com/office/drawing/2010/main" w="9525">
                   <a:solidFill>
                     <a:srgbClr val="000000"/>
                   </a:solidFill>
@@ -748,7 +754,7 @@
             </a:ln>
             <a:extLst>
               <a:ext uri="{91240B29-F687-4f45-9708-019B960494DF}">
-                <a14:hiddenLine xmlns:a14="http://schemas.microsoft.com/office/drawing/2010/main" xmlns="" w="9525">
+                <a14:hiddenLine xmlns="" xmlns:a14="http://schemas.microsoft.com/office/drawing/2010/main" w="9525">
                   <a:solidFill>
                     <a:srgbClr val="000000"/>
                   </a:solidFill>
@@ -810,7 +816,7 @@
             </a:ln>
             <a:extLst>
               <a:ext uri="{91240B29-F687-4f45-9708-019B960494DF}">
-                <a14:hiddenLine xmlns:a14="http://schemas.microsoft.com/office/drawing/2010/main" xmlns="" w="9525">
+                <a14:hiddenLine xmlns="" xmlns:a14="http://schemas.microsoft.com/office/drawing/2010/main" w="9525">
                   <a:solidFill>
                     <a:srgbClr val="000000"/>
                   </a:solidFill>
@@ -872,7 +878,7 @@
             </a:ln>
             <a:extLst>
               <a:ext uri="{91240B29-F687-4f45-9708-019B960494DF}">
-                <a14:hiddenLine xmlns:a14="http://schemas.microsoft.com/office/drawing/2010/main" xmlns="" w="9525">
+                <a14:hiddenLine xmlns="" xmlns:a14="http://schemas.microsoft.com/office/drawing/2010/main" w="9525">
                   <a:solidFill>
                     <a:srgbClr val="000000"/>
                   </a:solidFill>
@@ -962,7 +968,7 @@
             </a:ln>
             <a:extLst>
               <a:ext uri="{91240B29-F687-4f45-9708-019B960494DF}">
-                <a14:hiddenLine xmlns:a14="http://schemas.microsoft.com/office/drawing/2010/main" xmlns="" w="9525">
+                <a14:hiddenLine xmlns="" xmlns:a14="http://schemas.microsoft.com/office/drawing/2010/main" w="9525">
                   <a:solidFill>
                     <a:srgbClr val="000000"/>
                   </a:solidFill>
@@ -1052,7 +1058,7 @@
             </a:ln>
             <a:extLst>
               <a:ext uri="{91240B29-F687-4f45-9708-019B960494DF}">
-                <a14:hiddenLine xmlns:a14="http://schemas.microsoft.com/office/drawing/2010/main" xmlns="" w="9525">
+                <a14:hiddenLine xmlns="" xmlns:a14="http://schemas.microsoft.com/office/drawing/2010/main" w="9525">
                   <a:solidFill>
                     <a:srgbClr val="000000"/>
                   </a:solidFill>
@@ -1114,7 +1120,7 @@
             </a:ln>
             <a:extLst>
               <a:ext uri="{91240B29-F687-4f45-9708-019B960494DF}">
-                <a14:hiddenLine xmlns:a14="http://schemas.microsoft.com/office/drawing/2010/main" xmlns="" w="9525">
+                <a14:hiddenLine xmlns="" xmlns:a14="http://schemas.microsoft.com/office/drawing/2010/main" w="9525">
                   <a:solidFill>
                     <a:srgbClr val="000000"/>
                   </a:solidFill>
@@ -1224,7 +1230,7 @@
             </a:ln>
             <a:extLst>
               <a:ext uri="{91240B29-F687-4f45-9708-019B960494DF}">
-                <a14:hiddenLine xmlns:a14="http://schemas.microsoft.com/office/drawing/2010/main" xmlns="" w="9525">
+                <a14:hiddenLine xmlns="" xmlns:a14="http://schemas.microsoft.com/office/drawing/2010/main" w="9525">
                   <a:solidFill>
                     <a:srgbClr val="000000"/>
                   </a:solidFill>
@@ -1286,7 +1292,7 @@
             </a:ln>
             <a:extLst>
               <a:ext uri="{91240B29-F687-4f45-9708-019B960494DF}">
-                <a14:hiddenLine xmlns:a14="http://schemas.microsoft.com/office/drawing/2010/main" xmlns="" w="9525">
+                <a14:hiddenLine xmlns="" xmlns:a14="http://schemas.microsoft.com/office/drawing/2010/main" w="9525">
                   <a:solidFill>
                     <a:srgbClr val="000000"/>
                   </a:solidFill>
@@ -1376,7 +1382,7 @@
             </a:ln>
             <a:extLst>
               <a:ext uri="{91240B29-F687-4f45-9708-019B960494DF}">
-                <a14:hiddenLine xmlns:a14="http://schemas.microsoft.com/office/drawing/2010/main" xmlns="" w="9525">
+                <a14:hiddenLine xmlns="" xmlns:a14="http://schemas.microsoft.com/office/drawing/2010/main" w="9525">
                   <a:solidFill>
                     <a:srgbClr val="000000"/>
                   </a:solidFill>
@@ -1466,7 +1472,7 @@
             </a:ln>
             <a:extLst>
               <a:ext uri="{91240B29-F687-4f45-9708-019B960494DF}">
-                <a14:hiddenLine xmlns:a14="http://schemas.microsoft.com/office/drawing/2010/main" xmlns="" w="9525">
+                <a14:hiddenLine xmlns="" xmlns:a14="http://schemas.microsoft.com/office/drawing/2010/main" w="9525">
                   <a:solidFill>
                     <a:srgbClr val="000000"/>
                   </a:solidFill>
@@ -1528,7 +1534,7 @@
             </a:ln>
             <a:extLst>
               <a:ext uri="{91240B29-F687-4f45-9708-019B960494DF}">
-                <a14:hiddenLine xmlns:a14="http://schemas.microsoft.com/office/drawing/2010/main" xmlns="" w="9525">
+                <a14:hiddenLine xmlns="" xmlns:a14="http://schemas.microsoft.com/office/drawing/2010/main" w="9525">
                   <a:solidFill>
                     <a:srgbClr val="000000"/>
                   </a:solidFill>
@@ -1618,7 +1624,7 @@
             </a:ln>
             <a:extLst>
               <a:ext uri="{91240B29-F687-4f45-9708-019B960494DF}">
-                <a14:hiddenLine xmlns:a14="http://schemas.microsoft.com/office/drawing/2010/main" xmlns="" w="9525">
+                <a14:hiddenLine xmlns="" xmlns:a14="http://schemas.microsoft.com/office/drawing/2010/main" w="9525">
                   <a:solidFill>
                     <a:srgbClr val="000000"/>
                   </a:solidFill>
@@ -1708,7 +1714,7 @@
             </a:ln>
             <a:extLst>
               <a:ext uri="{91240B29-F687-4f45-9708-019B960494DF}">
-                <a14:hiddenLine xmlns:a14="http://schemas.microsoft.com/office/drawing/2010/main" xmlns="" w="9525">
+                <a14:hiddenLine xmlns="" xmlns:a14="http://schemas.microsoft.com/office/drawing/2010/main" w="9525">
                   <a:solidFill>
                     <a:srgbClr val="000000"/>
                   </a:solidFill>
@@ -1764,7 +1770,7 @@
             </a:ln>
             <a:extLst>
               <a:ext uri="{91240B29-F687-4f45-9708-019B960494DF}">
-                <a14:hiddenLine xmlns:a14="http://schemas.microsoft.com/office/drawing/2010/main" xmlns="" w="9525">
+                <a14:hiddenLine xmlns="" xmlns:a14="http://schemas.microsoft.com/office/drawing/2010/main" w="9525">
                   <a:solidFill>
                     <a:srgbClr val="000000"/>
                   </a:solidFill>
@@ -1854,7 +1860,7 @@
             </a:ln>
             <a:extLst>
               <a:ext uri="{91240B29-F687-4f45-9708-019B960494DF}">
-                <a14:hiddenLine xmlns:a14="http://schemas.microsoft.com/office/drawing/2010/main" xmlns="" w="9525">
+                <a14:hiddenLine xmlns="" xmlns:a14="http://schemas.microsoft.com/office/drawing/2010/main" w="9525">
                   <a:solidFill>
                     <a:srgbClr val="000000"/>
                   </a:solidFill>
@@ -1910,7 +1916,7 @@
             </a:ln>
             <a:extLst>
               <a:ext uri="{91240B29-F687-4f45-9708-019B960494DF}">
-                <a14:hiddenLine xmlns:a14="http://schemas.microsoft.com/office/drawing/2010/main" xmlns="" w="9525">
+                <a14:hiddenLine xmlns="" xmlns:a14="http://schemas.microsoft.com/office/drawing/2010/main" w="9525">
                   <a:solidFill>
                     <a:srgbClr val="000000"/>
                   </a:solidFill>
@@ -2000,7 +2006,7 @@
             </a:ln>
             <a:extLst>
               <a:ext uri="{91240B29-F687-4f45-9708-019B960494DF}">
-                <a14:hiddenLine xmlns:a14="http://schemas.microsoft.com/office/drawing/2010/main" xmlns="" w="9525">
+                <a14:hiddenLine xmlns="" xmlns:a14="http://schemas.microsoft.com/office/drawing/2010/main" w="9525">
                   <a:solidFill>
                     <a:srgbClr val="000000"/>
                   </a:solidFill>
@@ -2068,7 +2074,7 @@
             </a:ln>
             <a:extLst>
               <a:ext uri="{91240B29-F687-4f45-9708-019B960494DF}">
-                <a14:hiddenLine xmlns:a14="http://schemas.microsoft.com/office/drawing/2010/main" xmlns="" w="9525">
+                <a14:hiddenLine xmlns="" xmlns:a14="http://schemas.microsoft.com/office/drawing/2010/main" w="9525">
                   <a:solidFill>
                     <a:srgbClr val="000000"/>
                   </a:solidFill>
@@ -2158,7 +2164,7 @@
             </a:ln>
             <a:extLst>
               <a:ext uri="{91240B29-F687-4f45-9708-019B960494DF}">
-                <a14:hiddenLine xmlns:a14="http://schemas.microsoft.com/office/drawing/2010/main" xmlns="" w="9525">
+                <a14:hiddenLine xmlns="" xmlns:a14="http://schemas.microsoft.com/office/drawing/2010/main" w="9525">
                   <a:solidFill>
                     <a:srgbClr val="000000"/>
                   </a:solidFill>
@@ -2226,7 +2232,7 @@
             </a:ln>
             <a:extLst>
               <a:ext uri="{91240B29-F687-4f45-9708-019B960494DF}">
-                <a14:hiddenLine xmlns:a14="http://schemas.microsoft.com/office/drawing/2010/main" xmlns="" w="9525">
+                <a14:hiddenLine xmlns="" xmlns:a14="http://schemas.microsoft.com/office/drawing/2010/main" w="9525">
                   <a:solidFill>
                     <a:srgbClr val="000000"/>
                   </a:solidFill>
@@ -2316,7 +2322,7 @@
             </a:ln>
             <a:extLst>
               <a:ext uri="{91240B29-F687-4f45-9708-019B960494DF}">
-                <a14:hiddenLine xmlns:a14="http://schemas.microsoft.com/office/drawing/2010/main" xmlns="" w="9525">
+                <a14:hiddenLine xmlns="" xmlns:a14="http://schemas.microsoft.com/office/drawing/2010/main" w="9525">
                   <a:solidFill>
                     <a:srgbClr val="000000"/>
                   </a:solidFill>
@@ -2350,7 +2356,7 @@
             </a:ln>
             <a:extLst>
               <a:ext uri="{91240B29-F687-4f45-9708-019B960494DF}">
-                <a14:hiddenLine xmlns:a14="http://schemas.microsoft.com/office/drawing/2010/main" xmlns="" w="9525">
+                <a14:hiddenLine xmlns="" xmlns:a14="http://schemas.microsoft.com/office/drawing/2010/main" w="9525">
                   <a:solidFill>
                     <a:srgbClr val="000000"/>
                   </a:solidFill>
@@ -2440,7 +2446,7 @@
             </a:ln>
             <a:extLst>
               <a:ext uri="{91240B29-F687-4f45-9708-019B960494DF}">
-                <a14:hiddenLine xmlns:a14="http://schemas.microsoft.com/office/drawing/2010/main" xmlns="" w="9525">
+                <a14:hiddenLine xmlns="" xmlns:a14="http://schemas.microsoft.com/office/drawing/2010/main" w="9525">
                   <a:solidFill>
                     <a:srgbClr val="000000"/>
                   </a:solidFill>
@@ -2502,7 +2508,7 @@
             </a:ln>
             <a:extLst>
               <a:ext uri="{91240B29-F687-4f45-9708-019B960494DF}">
-                <a14:hiddenLine xmlns:a14="http://schemas.microsoft.com/office/drawing/2010/main" xmlns="" w="9525">
+                <a14:hiddenLine xmlns="" xmlns:a14="http://schemas.microsoft.com/office/drawing/2010/main" w="9525">
                   <a:solidFill>
                     <a:srgbClr val="000000"/>
                   </a:solidFill>
@@ -2564,7 +2570,7 @@
             </a:ln>
             <a:extLst>
               <a:ext uri="{91240B29-F687-4f45-9708-019B960494DF}">
-                <a14:hiddenLine xmlns:a14="http://schemas.microsoft.com/office/drawing/2010/main" xmlns="" w="9525">
+                <a14:hiddenLine xmlns="" xmlns:a14="http://schemas.microsoft.com/office/drawing/2010/main" w="9525">
                   <a:solidFill>
                     <a:srgbClr val="000000"/>
                   </a:solidFill>
@@ -2654,7 +2660,7 @@
             </a:ln>
             <a:extLst>
               <a:ext uri="{91240B29-F687-4f45-9708-019B960494DF}">
-                <a14:hiddenLine xmlns:a14="http://schemas.microsoft.com/office/drawing/2010/main" xmlns="" w="9525">
+                <a14:hiddenLine xmlns="" xmlns:a14="http://schemas.microsoft.com/office/drawing/2010/main" w="9525">
                   <a:solidFill>
                     <a:srgbClr val="000000"/>
                   </a:solidFill>
@@ -2722,7 +2728,7 @@
             </a:ln>
             <a:extLst>
               <a:ext uri="{91240B29-F687-4f45-9708-019B960494DF}">
-                <a14:hiddenLine xmlns:a14="http://schemas.microsoft.com/office/drawing/2010/main" xmlns="" w="9525">
+                <a14:hiddenLine xmlns="" xmlns:a14="http://schemas.microsoft.com/office/drawing/2010/main" w="9525">
                   <a:solidFill>
                     <a:srgbClr val="000000"/>
                   </a:solidFill>
@@ -2784,7 +2790,7 @@
             </a:ln>
             <a:extLst>
               <a:ext uri="{91240B29-F687-4f45-9708-019B960494DF}">
-                <a14:hiddenLine xmlns:a14="http://schemas.microsoft.com/office/drawing/2010/main" xmlns="" w="9525">
+                <a14:hiddenLine xmlns="" xmlns:a14="http://schemas.microsoft.com/office/drawing/2010/main" w="9525">
                   <a:solidFill>
                     <a:srgbClr val="000000"/>
                   </a:solidFill>
@@ -2874,7 +2880,7 @@
             </a:ln>
             <a:extLst>
               <a:ext uri="{91240B29-F687-4f45-9708-019B960494DF}">
-                <a14:hiddenLine xmlns:a14="http://schemas.microsoft.com/office/drawing/2010/main" xmlns="" w="9525">
+                <a14:hiddenLine xmlns="" xmlns:a14="http://schemas.microsoft.com/office/drawing/2010/main" w="9525">
                   <a:solidFill>
                     <a:srgbClr val="000000"/>
                   </a:solidFill>
@@ -2936,7 +2942,7 @@
             </a:ln>
             <a:extLst>
               <a:ext uri="{91240B29-F687-4f45-9708-019B960494DF}">
-                <a14:hiddenLine xmlns:a14="http://schemas.microsoft.com/office/drawing/2010/main" xmlns="" w="9525">
+                <a14:hiddenLine xmlns="" xmlns:a14="http://schemas.microsoft.com/office/drawing/2010/main" w="9525">
                   <a:solidFill>
                     <a:srgbClr val="000000"/>
                   </a:solidFill>
@@ -3026,7 +3032,7 @@
             </a:ln>
             <a:extLst>
               <a:ext uri="{91240B29-F687-4f45-9708-019B960494DF}">
-                <a14:hiddenLine xmlns:a14="http://schemas.microsoft.com/office/drawing/2010/main" xmlns="" w="9525">
+                <a14:hiddenLine xmlns="" xmlns:a14="http://schemas.microsoft.com/office/drawing/2010/main" w="9525">
                   <a:solidFill>
                     <a:srgbClr val="000000"/>
                   </a:solidFill>
@@ -3088,7 +3094,7 @@
             </a:ln>
             <a:extLst>
               <a:ext uri="{91240B29-F687-4f45-9708-019B960494DF}">
-                <a14:hiddenLine xmlns:a14="http://schemas.microsoft.com/office/drawing/2010/main" xmlns="" w="9525">
+                <a14:hiddenLine xmlns="" xmlns:a14="http://schemas.microsoft.com/office/drawing/2010/main" w="9525">
                   <a:solidFill>
                     <a:srgbClr val="000000"/>
                   </a:solidFill>
@@ -3178,7 +3184,7 @@
             </a:ln>
             <a:extLst>
               <a:ext uri="{91240B29-F687-4f45-9708-019B960494DF}">
-                <a14:hiddenLine xmlns:a14="http://schemas.microsoft.com/office/drawing/2010/main" xmlns="" w="9525">
+                <a14:hiddenLine xmlns="" xmlns:a14="http://schemas.microsoft.com/office/drawing/2010/main" w="9525">
                   <a:solidFill>
                     <a:srgbClr val="000000"/>
                   </a:solidFill>
@@ -3212,7 +3218,7 @@
             </a:ln>
             <a:extLst>
               <a:ext uri="{91240B29-F687-4f45-9708-019B960494DF}">
-                <a14:hiddenLine xmlns:a14="http://schemas.microsoft.com/office/drawing/2010/main" xmlns="" w="9525">
+                <a14:hiddenLine xmlns="" xmlns:a14="http://schemas.microsoft.com/office/drawing/2010/main" w="9525">
                   <a:solidFill>
                     <a:srgbClr val="000000"/>
                   </a:solidFill>
@@ -3277,7 +3283,7 @@
             </a:ln>
             <a:extLst>
               <a:ext uri="{91240B29-F687-4f45-9708-019B960494DF}">
-                <a14:hiddenLine xmlns:a14="http://schemas.microsoft.com/office/drawing/2010/main" xmlns="" w="9525">
+                <a14:hiddenLine xmlns="" xmlns:a14="http://schemas.microsoft.com/office/drawing/2010/main" w="9525">
                   <a:solidFill>
                     <a:srgbClr val="000000"/>
                   </a:solidFill>
@@ -3367,7 +3373,7 @@
             </a:ln>
             <a:extLst>
               <a:ext uri="{91240B29-F687-4f45-9708-019B960494DF}">
-                <a14:hiddenLine xmlns:a14="http://schemas.microsoft.com/office/drawing/2010/main" xmlns="" w="9525">
+                <a14:hiddenLine xmlns="" xmlns:a14="http://schemas.microsoft.com/office/drawing/2010/main" w="9525">
                   <a:solidFill>
                     <a:srgbClr val="000000"/>
                   </a:solidFill>
@@ -3429,7 +3435,7 @@
             </a:ln>
             <a:extLst>
               <a:ext uri="{91240B29-F687-4f45-9708-019B960494DF}">
-                <a14:hiddenLine xmlns:a14="http://schemas.microsoft.com/office/drawing/2010/main" xmlns="" w="9525">
+                <a14:hiddenLine xmlns="" xmlns:a14="http://schemas.microsoft.com/office/drawing/2010/main" w="9525">
                   <a:solidFill>
                     <a:srgbClr val="000000"/>
                   </a:solidFill>
@@ -3519,7 +3525,7 @@
             </a:ln>
             <a:extLst>
               <a:ext uri="{91240B29-F687-4f45-9708-019B960494DF}">
-                <a14:hiddenLine xmlns:a14="http://schemas.microsoft.com/office/drawing/2010/main" xmlns="" w="9525">
+                <a14:hiddenLine xmlns="" xmlns:a14="http://schemas.microsoft.com/office/drawing/2010/main" w="9525">
                   <a:solidFill>
                     <a:srgbClr val="000000"/>
                   </a:solidFill>
@@ -3609,7 +3615,7 @@
             </a:ln>
             <a:extLst>
               <a:ext uri="{91240B29-F687-4f45-9708-019B960494DF}">
-                <a14:hiddenLine xmlns:a14="http://schemas.microsoft.com/office/drawing/2010/main" xmlns="" w="9525">
+                <a14:hiddenLine xmlns="" xmlns:a14="http://schemas.microsoft.com/office/drawing/2010/main" w="9525">
                   <a:solidFill>
                     <a:srgbClr val="000000"/>
                   </a:solidFill>
@@ -3674,7 +3680,7 @@
             </a:ln>
             <a:extLst>
               <a:ext uri="{91240B29-F687-4f45-9708-019B960494DF}">
-                <a14:hiddenLine xmlns:a14="http://schemas.microsoft.com/office/drawing/2010/main" xmlns="" w="9525">
+                <a14:hiddenLine xmlns="" xmlns:a14="http://schemas.microsoft.com/office/drawing/2010/main" w="9525">
                   <a:solidFill>
                     <a:srgbClr val="000000"/>
                   </a:solidFill>
@@ -3736,7 +3742,7 @@
             </a:ln>
             <a:extLst>
               <a:ext uri="{91240B29-F687-4f45-9708-019B960494DF}">
-                <a14:hiddenLine xmlns:a14="http://schemas.microsoft.com/office/drawing/2010/main" xmlns="" w="9525">
+                <a14:hiddenLine xmlns="" xmlns:a14="http://schemas.microsoft.com/office/drawing/2010/main" w="9525">
                   <a:solidFill>
                     <a:srgbClr val="000000"/>
                   </a:solidFill>
@@ -3826,7 +3832,7 @@
             </a:ln>
             <a:extLst>
               <a:ext uri="{91240B29-F687-4f45-9708-019B960494DF}">
-                <a14:hiddenLine xmlns:a14="http://schemas.microsoft.com/office/drawing/2010/main" xmlns="" w="9525">
+                <a14:hiddenLine xmlns="" xmlns:a14="http://schemas.microsoft.com/office/drawing/2010/main" w="9525">
                   <a:solidFill>
                     <a:srgbClr val="000000"/>
                   </a:solidFill>
@@ -3916,7 +3922,7 @@
             </a:ln>
             <a:extLst>
               <a:ext uri="{91240B29-F687-4f45-9708-019B960494DF}">
-                <a14:hiddenLine xmlns:a14="http://schemas.microsoft.com/office/drawing/2010/main" xmlns="" w="9525">
+                <a14:hiddenLine xmlns="" xmlns:a14="http://schemas.microsoft.com/office/drawing/2010/main" w="9525">
                   <a:solidFill>
                     <a:srgbClr val="000000"/>
                   </a:solidFill>
@@ -3978,7 +3984,7 @@
             </a:ln>
             <a:extLst>
               <a:ext uri="{91240B29-F687-4f45-9708-019B960494DF}">
-                <a14:hiddenLine xmlns:a14="http://schemas.microsoft.com/office/drawing/2010/main" xmlns="" w="9525">
+                <a14:hiddenLine xmlns="" xmlns:a14="http://schemas.microsoft.com/office/drawing/2010/main" w="9525">
                   <a:solidFill>
                     <a:srgbClr val="000000"/>
                   </a:solidFill>
@@ -4098,7 +4104,7 @@
             </a:ln>
             <a:extLst>
               <a:ext uri="{91240B29-F687-4f45-9708-019B960494DF}">
-                <a14:hiddenLine xmlns:a14="http://schemas.microsoft.com/office/drawing/2010/main" xmlns="" w="9525">
+                <a14:hiddenLine xmlns="" xmlns:a14="http://schemas.microsoft.com/office/drawing/2010/main" w="9525">
                   <a:solidFill>
                     <a:srgbClr val="000000"/>
                   </a:solidFill>
@@ -4166,7 +4172,7 @@
             </a:ln>
             <a:extLst>
               <a:ext uri="{91240B29-F687-4f45-9708-019B960494DF}">
-                <a14:hiddenLine xmlns:a14="http://schemas.microsoft.com/office/drawing/2010/main" xmlns="" w="9525">
+                <a14:hiddenLine xmlns="" xmlns:a14="http://schemas.microsoft.com/office/drawing/2010/main" w="9525">
                   <a:solidFill>
                     <a:srgbClr val="000000"/>
                   </a:solidFill>
@@ -4256,7 +4262,7 @@
             </a:ln>
             <a:extLst>
               <a:ext uri="{91240B29-F687-4f45-9708-019B960494DF}">
-                <a14:hiddenLine xmlns:a14="http://schemas.microsoft.com/office/drawing/2010/main" xmlns="" w="9525">
+                <a14:hiddenLine xmlns="" xmlns:a14="http://schemas.microsoft.com/office/drawing/2010/main" w="9525">
                   <a:solidFill>
                     <a:srgbClr val="000000"/>
                   </a:solidFill>
@@ -4396,7 +4402,7 @@
           <a:p>
             <a:fld id="{48A87A34-81AB-432B-8DAE-1953F412C126}" type="datetimeFigureOut">
               <a:rPr lang="en-US" dirty="0"/>
-              <a:t>6/11/2024</a:t>
+              <a:t>6/12/2024</a:t>
             </a:fld>
             <a:endParaRPr lang="en-US" dirty="0"/>
           </a:p>
@@ -4658,7 +4664,7 @@
           <a:p>
             <a:fld id="{48A87A34-81AB-432B-8DAE-1953F412C126}" type="datetimeFigureOut">
               <a:rPr lang="en-US" dirty="0"/>
-              <a:t>6/11/2024</a:t>
+              <a:t>6/12/2024</a:t>
             </a:fld>
             <a:endParaRPr lang="en-US" dirty="0"/>
           </a:p>
@@ -4849,7 +4855,7 @@
           <a:p>
             <a:fld id="{48A87A34-81AB-432B-8DAE-1953F412C126}" type="datetimeFigureOut">
               <a:rPr lang="en-US" dirty="0"/>
-              <a:t>6/11/2024</a:t>
+              <a:t>6/12/2024</a:t>
             </a:fld>
             <a:endParaRPr lang="en-US" dirty="0"/>
           </a:p>
@@ -5107,7 +5113,7 @@
           <a:p>
             <a:fld id="{48A87A34-81AB-432B-8DAE-1953F412C126}" type="datetimeFigureOut">
               <a:rPr lang="en-US" dirty="0"/>
-              <a:t>6/11/2024</a:t>
+              <a:t>6/12/2024</a:t>
             </a:fld>
             <a:endParaRPr lang="en-US" dirty="0"/>
           </a:p>
@@ -5536,7 +5542,7 @@
           <a:p>
             <a:fld id="{48A87A34-81AB-432B-8DAE-1953F412C126}" type="datetimeFigureOut">
               <a:rPr lang="en-US" dirty="0"/>
-              <a:t>6/11/2024</a:t>
+              <a:t>6/12/2024</a:t>
             </a:fld>
             <a:endParaRPr lang="en-US" dirty="0"/>
           </a:p>
@@ -6077,7 +6083,7 @@
           <a:p>
             <a:fld id="{48A87A34-81AB-432B-8DAE-1953F412C126}" type="datetimeFigureOut">
               <a:rPr lang="en-US" dirty="0"/>
-              <a:t>6/11/2024</a:t>
+              <a:t>6/12/2024</a:t>
             </a:fld>
             <a:endParaRPr lang="en-US" dirty="0"/>
           </a:p>
@@ -6792,7 +6798,7 @@
           <a:p>
             <a:fld id="{48A87A34-81AB-432B-8DAE-1953F412C126}" type="datetimeFigureOut">
               <a:rPr lang="en-US" dirty="0"/>
-              <a:t>6/11/2024</a:t>
+              <a:t>6/12/2024</a:t>
             </a:fld>
             <a:endParaRPr lang="en-US" dirty="0"/>
           </a:p>
@@ -6957,7 +6963,7 @@
           <a:p>
             <a:fld id="{48A87A34-81AB-432B-8DAE-1953F412C126}" type="datetimeFigureOut">
               <a:rPr lang="en-US" dirty="0"/>
-              <a:t>6/11/2024</a:t>
+              <a:t>6/12/2024</a:t>
             </a:fld>
             <a:endParaRPr lang="en-US" dirty="0"/>
           </a:p>
@@ -7132,7 +7138,7 @@
           <a:p>
             <a:fld id="{48A87A34-81AB-432B-8DAE-1953F412C126}" type="datetimeFigureOut">
               <a:rPr lang="en-US" dirty="0"/>
-              <a:t>6/11/2024</a:t>
+              <a:t>6/12/2024</a:t>
             </a:fld>
             <a:endParaRPr lang="en-US" dirty="0"/>
           </a:p>
@@ -7297,7 +7303,7 @@
           <a:p>
             <a:fld id="{48A87A34-81AB-432B-8DAE-1953F412C126}" type="datetimeFigureOut">
               <a:rPr lang="en-US" dirty="0"/>
-              <a:t>6/11/2024</a:t>
+              <a:t>6/12/2024</a:t>
             </a:fld>
             <a:endParaRPr lang="en-US" dirty="0"/>
           </a:p>
@@ -7542,7 +7548,7 @@
           <a:p>
             <a:fld id="{48A87A34-81AB-432B-8DAE-1953F412C126}" type="datetimeFigureOut">
               <a:rPr lang="en-US" dirty="0"/>
-              <a:t>6/11/2024</a:t>
+              <a:t>6/12/2024</a:t>
             </a:fld>
             <a:endParaRPr lang="en-US" dirty="0"/>
           </a:p>
@@ -7769,7 +7775,7 @@
           <a:p>
             <a:fld id="{48A87A34-81AB-432B-8DAE-1953F412C126}" type="datetimeFigureOut">
               <a:rPr lang="en-US" dirty="0"/>
-              <a:t>6/11/2024</a:t>
+              <a:t>6/12/2024</a:t>
             </a:fld>
             <a:endParaRPr lang="en-US" dirty="0"/>
           </a:p>
@@ -8145,7 +8151,7 @@
           <a:p>
             <a:fld id="{48A87A34-81AB-432B-8DAE-1953F412C126}" type="datetimeFigureOut">
               <a:rPr lang="en-US" dirty="0"/>
-              <a:t>6/11/2024</a:t>
+              <a:t>6/12/2024</a:t>
             </a:fld>
             <a:endParaRPr lang="en-US" dirty="0"/>
           </a:p>
@@ -8258,7 +8264,7 @@
           <a:p>
             <a:fld id="{48A87A34-81AB-432B-8DAE-1953F412C126}" type="datetimeFigureOut">
               <a:rPr lang="en-US" dirty="0"/>
-              <a:t>6/11/2024</a:t>
+              <a:t>6/12/2024</a:t>
             </a:fld>
             <a:endParaRPr lang="en-US" dirty="0"/>
           </a:p>
@@ -8348,7 +8354,7 @@
           <a:p>
             <a:fld id="{48A87A34-81AB-432B-8DAE-1953F412C126}" type="datetimeFigureOut">
               <a:rPr lang="en-US" dirty="0"/>
-              <a:t>6/11/2024</a:t>
+              <a:t>6/12/2024</a:t>
             </a:fld>
             <a:endParaRPr lang="en-US" dirty="0"/>
           </a:p>
@@ -8592,7 +8598,7 @@
           <a:p>
             <a:fld id="{48A87A34-81AB-432B-8DAE-1953F412C126}" type="datetimeFigureOut">
               <a:rPr lang="en-US" dirty="0"/>
-              <a:t>6/11/2024</a:t>
+              <a:t>6/12/2024</a:t>
             </a:fld>
             <a:endParaRPr lang="en-US" dirty="0"/>
           </a:p>
@@ -8867,7 +8873,7 @@
           <a:p>
             <a:fld id="{48A87A34-81AB-432B-8DAE-1953F412C126}" type="datetimeFigureOut">
               <a:rPr lang="en-US" dirty="0"/>
-              <a:t>6/11/2024</a:t>
+              <a:t>6/12/2024</a:t>
             </a:fld>
             <a:endParaRPr lang="en-US" dirty="0"/>
           </a:p>
@@ -8978,7 +8984,7 @@
           <a:noFill/>
           <a:extLst>
             <a:ext uri="{909E8E84-426E-40dd-AFC4-6F175D3DCCD1}">
-              <a14:hiddenFill xmlns:a14="http://schemas.microsoft.com/office/drawing/2010/main" xmlns="">
+              <a14:hiddenFill xmlns="" xmlns:a14="http://schemas.microsoft.com/office/drawing/2010/main">
                 <a:solidFill>
                   <a:srgbClr val="FFFFFF"/>
                 </a:solidFill>
@@ -9052,7 +9058,7 @@
               </a:ln>
               <a:extLst>
                 <a:ext uri="{91240B29-F687-4f45-9708-019B960494DF}">
-                  <a14:hiddenLine xmlns:a14="http://schemas.microsoft.com/office/drawing/2010/main" xmlns="" w="9525">
+                  <a14:hiddenLine xmlns="" xmlns:a14="http://schemas.microsoft.com/office/drawing/2010/main" w="9525">
                     <a:solidFill>
                       <a:srgbClr val="000000"/>
                     </a:solidFill>
@@ -9142,7 +9148,7 @@
               </a:ln>
               <a:extLst>
                 <a:ext uri="{91240B29-F687-4f45-9708-019B960494DF}">
-                  <a14:hiddenLine xmlns:a14="http://schemas.microsoft.com/office/drawing/2010/main" xmlns="" w="9525">
+                  <a14:hiddenLine xmlns="" xmlns:a14="http://schemas.microsoft.com/office/drawing/2010/main" w="9525">
                     <a:solidFill>
                       <a:srgbClr val="000000"/>
                     </a:solidFill>
@@ -9232,7 +9238,7 @@
               </a:ln>
               <a:extLst>
                 <a:ext uri="{91240B29-F687-4f45-9708-019B960494DF}">
-                  <a14:hiddenLine xmlns:a14="http://schemas.microsoft.com/office/drawing/2010/main" xmlns="" w="9525">
+                  <a14:hiddenLine xmlns="" xmlns:a14="http://schemas.microsoft.com/office/drawing/2010/main" w="9525">
                     <a:solidFill>
                       <a:srgbClr val="000000"/>
                     </a:solidFill>
@@ -9294,7 +9300,7 @@
               </a:ln>
               <a:extLst>
                 <a:ext uri="{91240B29-F687-4f45-9708-019B960494DF}">
-                  <a14:hiddenLine xmlns:a14="http://schemas.microsoft.com/office/drawing/2010/main" xmlns="" w="9525">
+                  <a14:hiddenLine xmlns="" xmlns:a14="http://schemas.microsoft.com/office/drawing/2010/main" w="9525">
                     <a:solidFill>
                       <a:srgbClr val="000000"/>
                     </a:solidFill>
@@ -9384,7 +9390,7 @@
               </a:ln>
               <a:extLst>
                 <a:ext uri="{91240B29-F687-4f45-9708-019B960494DF}">
-                  <a14:hiddenLine xmlns:a14="http://schemas.microsoft.com/office/drawing/2010/main" xmlns="" w="9525">
+                  <a14:hiddenLine xmlns="" xmlns:a14="http://schemas.microsoft.com/office/drawing/2010/main" w="9525">
                     <a:solidFill>
                       <a:srgbClr val="000000"/>
                     </a:solidFill>
@@ -9446,7 +9452,7 @@
               </a:ln>
               <a:extLst>
                 <a:ext uri="{91240B29-F687-4f45-9708-019B960494DF}">
-                  <a14:hiddenLine xmlns:a14="http://schemas.microsoft.com/office/drawing/2010/main" xmlns="" w="9525">
+                  <a14:hiddenLine xmlns="" xmlns:a14="http://schemas.microsoft.com/office/drawing/2010/main" w="9525">
                     <a:solidFill>
                       <a:srgbClr val="000000"/>
                     </a:solidFill>
@@ -9508,7 +9514,7 @@
               </a:ln>
               <a:extLst>
                 <a:ext uri="{91240B29-F687-4f45-9708-019B960494DF}">
-                  <a14:hiddenLine xmlns:a14="http://schemas.microsoft.com/office/drawing/2010/main" xmlns="" w="9525">
+                  <a14:hiddenLine xmlns="" xmlns:a14="http://schemas.microsoft.com/office/drawing/2010/main" w="9525">
                     <a:solidFill>
                       <a:srgbClr val="000000"/>
                     </a:solidFill>
@@ -9598,7 +9604,7 @@
               </a:ln>
               <a:extLst>
                 <a:ext uri="{91240B29-F687-4f45-9708-019B960494DF}">
-                  <a14:hiddenLine xmlns:a14="http://schemas.microsoft.com/office/drawing/2010/main" xmlns="" w="9525">
+                  <a14:hiddenLine xmlns="" xmlns:a14="http://schemas.microsoft.com/office/drawing/2010/main" w="9525">
                     <a:solidFill>
                       <a:srgbClr val="000000"/>
                     </a:solidFill>
@@ -9688,7 +9694,7 @@
               </a:ln>
               <a:extLst>
                 <a:ext uri="{91240B29-F687-4f45-9708-019B960494DF}">
-                  <a14:hiddenLine xmlns:a14="http://schemas.microsoft.com/office/drawing/2010/main" xmlns="" w="9525">
+                  <a14:hiddenLine xmlns="" xmlns:a14="http://schemas.microsoft.com/office/drawing/2010/main" w="9525">
                     <a:solidFill>
                       <a:srgbClr val="000000"/>
                     </a:solidFill>
@@ -9750,7 +9756,7 @@
               </a:ln>
               <a:extLst>
                 <a:ext uri="{91240B29-F687-4f45-9708-019B960494DF}">
-                  <a14:hiddenLine xmlns:a14="http://schemas.microsoft.com/office/drawing/2010/main" xmlns="" w="9525">
+                  <a14:hiddenLine xmlns="" xmlns:a14="http://schemas.microsoft.com/office/drawing/2010/main" w="9525">
                     <a:solidFill>
                       <a:srgbClr val="000000"/>
                     </a:solidFill>
@@ -9860,7 +9866,7 @@
               </a:ln>
               <a:extLst>
                 <a:ext uri="{91240B29-F687-4f45-9708-019B960494DF}">
-                  <a14:hiddenLine xmlns:a14="http://schemas.microsoft.com/office/drawing/2010/main" xmlns="" w="9525">
+                  <a14:hiddenLine xmlns="" xmlns:a14="http://schemas.microsoft.com/office/drawing/2010/main" w="9525">
                     <a:solidFill>
                       <a:srgbClr val="000000"/>
                     </a:solidFill>
@@ -9944,7 +9950,7 @@
               </a:ln>
               <a:extLst>
                 <a:ext uri="{91240B29-F687-4f45-9708-019B960494DF}">
-                  <a14:hiddenLine xmlns:a14="http://schemas.microsoft.com/office/drawing/2010/main" xmlns="" w="9525">
+                  <a14:hiddenLine xmlns="" xmlns:a14="http://schemas.microsoft.com/office/drawing/2010/main" w="9525">
                     <a:solidFill>
                       <a:srgbClr val="000000"/>
                     </a:solidFill>
@@ -10006,7 +10012,7 @@
               </a:ln>
               <a:extLst>
                 <a:ext uri="{91240B29-F687-4f45-9708-019B960494DF}">
-                  <a14:hiddenLine xmlns:a14="http://schemas.microsoft.com/office/drawing/2010/main" xmlns="" w="9525">
+                  <a14:hiddenLine xmlns="" xmlns:a14="http://schemas.microsoft.com/office/drawing/2010/main" w="9525">
                     <a:solidFill>
                       <a:srgbClr val="000000"/>
                     </a:solidFill>
@@ -10068,7 +10074,7 @@
               </a:ln>
               <a:extLst>
                 <a:ext uri="{91240B29-F687-4f45-9708-019B960494DF}">
-                  <a14:hiddenLine xmlns:a14="http://schemas.microsoft.com/office/drawing/2010/main" xmlns="" w="9525">
+                  <a14:hiddenLine xmlns="" xmlns:a14="http://schemas.microsoft.com/office/drawing/2010/main" w="9525">
                     <a:solidFill>
                       <a:srgbClr val="000000"/>
                     </a:solidFill>
@@ -10158,7 +10164,7 @@
               </a:ln>
               <a:extLst>
                 <a:ext uri="{91240B29-F687-4f45-9708-019B960494DF}">
-                  <a14:hiddenLine xmlns:a14="http://schemas.microsoft.com/office/drawing/2010/main" xmlns="" w="9525">
+                  <a14:hiddenLine xmlns="" xmlns:a14="http://schemas.microsoft.com/office/drawing/2010/main" w="9525">
                     <a:solidFill>
                       <a:srgbClr val="000000"/>
                     </a:solidFill>
@@ -10192,7 +10198,7 @@
               </a:ln>
               <a:extLst>
                 <a:ext uri="{91240B29-F687-4f45-9708-019B960494DF}">
-                  <a14:hiddenLine xmlns:a14="http://schemas.microsoft.com/office/drawing/2010/main" xmlns="" w="9525">
+                  <a14:hiddenLine xmlns="" xmlns:a14="http://schemas.microsoft.com/office/drawing/2010/main" w="9525">
                     <a:solidFill>
                       <a:srgbClr val="000000"/>
                     </a:solidFill>
@@ -10257,7 +10263,7 @@
               </a:ln>
               <a:extLst>
                 <a:ext uri="{91240B29-F687-4f45-9708-019B960494DF}">
-                  <a14:hiddenLine xmlns:a14="http://schemas.microsoft.com/office/drawing/2010/main" xmlns="" w="9525">
+                  <a14:hiddenLine xmlns="" xmlns:a14="http://schemas.microsoft.com/office/drawing/2010/main" w="9525">
                     <a:solidFill>
                       <a:srgbClr val="000000"/>
                     </a:solidFill>
@@ -10347,7 +10353,7 @@
               </a:ln>
               <a:extLst>
                 <a:ext uri="{91240B29-F687-4f45-9708-019B960494DF}">
-                  <a14:hiddenLine xmlns:a14="http://schemas.microsoft.com/office/drawing/2010/main" xmlns="" w="9525">
+                  <a14:hiddenLine xmlns="" xmlns:a14="http://schemas.microsoft.com/office/drawing/2010/main" w="9525">
                     <a:solidFill>
                       <a:srgbClr val="000000"/>
                     </a:solidFill>
@@ -10409,7 +10415,7 @@
               </a:ln>
               <a:extLst>
                 <a:ext uri="{91240B29-F687-4f45-9708-019B960494DF}">
-                  <a14:hiddenLine xmlns:a14="http://schemas.microsoft.com/office/drawing/2010/main" xmlns="" w="9525">
+                  <a14:hiddenLine xmlns="" xmlns:a14="http://schemas.microsoft.com/office/drawing/2010/main" w="9525">
                     <a:solidFill>
                       <a:srgbClr val="000000"/>
                     </a:solidFill>
@@ -10499,7 +10505,7 @@
               </a:ln>
               <a:extLst>
                 <a:ext uri="{91240B29-F687-4f45-9708-019B960494DF}">
-                  <a14:hiddenLine xmlns:a14="http://schemas.microsoft.com/office/drawing/2010/main" xmlns="" w="9525">
+                  <a14:hiddenLine xmlns="" xmlns:a14="http://schemas.microsoft.com/office/drawing/2010/main" w="9525">
                     <a:solidFill>
                       <a:srgbClr val="000000"/>
                     </a:solidFill>
@@ -10564,7 +10570,7 @@
               </a:ln>
               <a:extLst>
                 <a:ext uri="{91240B29-F687-4f45-9708-019B960494DF}">
-                  <a14:hiddenLine xmlns:a14="http://schemas.microsoft.com/office/drawing/2010/main" xmlns="" w="9525">
+                  <a14:hiddenLine xmlns="" xmlns:a14="http://schemas.microsoft.com/office/drawing/2010/main" w="9525">
                     <a:solidFill>
                       <a:srgbClr val="000000"/>
                     </a:solidFill>
@@ -10626,7 +10632,7 @@
               </a:ln>
               <a:extLst>
                 <a:ext uri="{91240B29-F687-4f45-9708-019B960494DF}">
-                  <a14:hiddenLine xmlns:a14="http://schemas.microsoft.com/office/drawing/2010/main" xmlns="" w="9525">
+                  <a14:hiddenLine xmlns="" xmlns:a14="http://schemas.microsoft.com/office/drawing/2010/main" w="9525">
                     <a:solidFill>
                       <a:srgbClr val="000000"/>
                     </a:solidFill>
@@ -10716,7 +10722,7 @@
               </a:ln>
               <a:extLst>
                 <a:ext uri="{91240B29-F687-4f45-9708-019B960494DF}">
-                  <a14:hiddenLine xmlns:a14="http://schemas.microsoft.com/office/drawing/2010/main" xmlns="" w="9525">
+                  <a14:hiddenLine xmlns="" xmlns:a14="http://schemas.microsoft.com/office/drawing/2010/main" w="9525">
                     <a:solidFill>
                       <a:srgbClr val="000000"/>
                     </a:solidFill>
@@ -10806,7 +10812,7 @@
               </a:ln>
               <a:extLst>
                 <a:ext uri="{91240B29-F687-4f45-9708-019B960494DF}">
-                  <a14:hiddenLine xmlns:a14="http://schemas.microsoft.com/office/drawing/2010/main" xmlns="" w="9525">
+                  <a14:hiddenLine xmlns="" xmlns:a14="http://schemas.microsoft.com/office/drawing/2010/main" w="9525">
                     <a:solidFill>
                       <a:srgbClr val="000000"/>
                     </a:solidFill>
@@ -10871,7 +10877,7 @@
               </a:ln>
               <a:extLst>
                 <a:ext uri="{91240B29-F687-4f45-9708-019B960494DF}">
-                  <a14:hiddenLine xmlns:a14="http://schemas.microsoft.com/office/drawing/2010/main" xmlns="" w="9525">
+                  <a14:hiddenLine xmlns="" xmlns:a14="http://schemas.microsoft.com/office/drawing/2010/main" w="9525">
                     <a:solidFill>
                       <a:srgbClr val="000000"/>
                     </a:solidFill>
@@ -10991,7 +10997,7 @@
               </a:ln>
               <a:extLst>
                 <a:ext uri="{91240B29-F687-4f45-9708-019B960494DF}">
-                  <a14:hiddenLine xmlns:a14="http://schemas.microsoft.com/office/drawing/2010/main" xmlns="" w="9525">
+                  <a14:hiddenLine xmlns="" xmlns:a14="http://schemas.microsoft.com/office/drawing/2010/main" w="9525">
                     <a:solidFill>
                       <a:srgbClr val="000000"/>
                     </a:solidFill>
@@ -11089,7 +11095,7 @@
               </a:ln>
               <a:extLst>
                 <a:ext uri="{91240B29-F687-4f45-9708-019B960494DF}">
-                  <a14:hiddenLine xmlns:a14="http://schemas.microsoft.com/office/drawing/2010/main" xmlns="" w="9525">
+                  <a14:hiddenLine xmlns="" xmlns:a14="http://schemas.microsoft.com/office/drawing/2010/main" w="9525">
                     <a:solidFill>
                       <a:srgbClr val="000000"/>
                     </a:solidFill>
@@ -11204,7 +11210,7 @@
               </a:ln>
               <a:extLst>
                 <a:ext uri="{91240B29-F687-4f45-9708-019B960494DF}">
-                  <a14:hiddenLine xmlns:a14="http://schemas.microsoft.com/office/drawing/2010/main" xmlns="" w="9525">
+                  <a14:hiddenLine xmlns="" xmlns:a14="http://schemas.microsoft.com/office/drawing/2010/main" w="9525">
                     <a:solidFill>
                       <a:srgbClr val="000000"/>
                     </a:solidFill>
@@ -11294,7 +11300,7 @@
               </a:ln>
               <a:extLst>
                 <a:ext uri="{91240B29-F687-4f45-9708-019B960494DF}">
-                  <a14:hiddenLine xmlns:a14="http://schemas.microsoft.com/office/drawing/2010/main" xmlns="" w="9525">
+                  <a14:hiddenLine xmlns="" xmlns:a14="http://schemas.microsoft.com/office/drawing/2010/main" w="9525">
                     <a:solidFill>
                       <a:srgbClr val="000000"/>
                     </a:solidFill>
@@ -11359,7 +11365,7 @@
               </a:ln>
               <a:extLst>
                 <a:ext uri="{91240B29-F687-4f45-9708-019B960494DF}">
-                  <a14:hiddenLine xmlns:a14="http://schemas.microsoft.com/office/drawing/2010/main" xmlns="" w="9525">
+                  <a14:hiddenLine xmlns="" xmlns:a14="http://schemas.microsoft.com/office/drawing/2010/main" w="9525">
                     <a:solidFill>
                       <a:srgbClr val="000000"/>
                     </a:solidFill>
@@ -11449,7 +11455,7 @@
               </a:ln>
               <a:extLst>
                 <a:ext uri="{91240B29-F687-4f45-9708-019B960494DF}">
-                  <a14:hiddenLine xmlns:a14="http://schemas.microsoft.com/office/drawing/2010/main" xmlns="" w="9525">
+                  <a14:hiddenLine xmlns="" xmlns:a14="http://schemas.microsoft.com/office/drawing/2010/main" w="9525">
                     <a:solidFill>
                       <a:srgbClr val="000000"/>
                     </a:solidFill>
@@ -11517,7 +11523,7 @@
               </a:ln>
               <a:extLst>
                 <a:ext uri="{91240B29-F687-4f45-9708-019B960494DF}">
-                  <a14:hiddenLine xmlns:a14="http://schemas.microsoft.com/office/drawing/2010/main" xmlns="" w="9525">
+                  <a14:hiddenLine xmlns="" xmlns:a14="http://schemas.microsoft.com/office/drawing/2010/main" w="9525">
                     <a:solidFill>
                       <a:srgbClr val="000000"/>
                     </a:solidFill>
@@ -11607,7 +11613,7 @@
               </a:ln>
               <a:extLst>
                 <a:ext uri="{91240B29-F687-4f45-9708-019B960494DF}">
-                  <a14:hiddenLine xmlns:a14="http://schemas.microsoft.com/office/drawing/2010/main" xmlns="" w="9525">
+                  <a14:hiddenLine xmlns="" xmlns:a14="http://schemas.microsoft.com/office/drawing/2010/main" w="9525">
                     <a:solidFill>
                       <a:srgbClr val="000000"/>
                     </a:solidFill>
@@ -11675,7 +11681,7 @@
               </a:ln>
               <a:extLst>
                 <a:ext uri="{91240B29-F687-4f45-9708-019B960494DF}">
-                  <a14:hiddenLine xmlns:a14="http://schemas.microsoft.com/office/drawing/2010/main" xmlns="" w="9525">
+                  <a14:hiddenLine xmlns="" xmlns:a14="http://schemas.microsoft.com/office/drawing/2010/main" w="9525">
                     <a:solidFill>
                       <a:srgbClr val="000000"/>
                     </a:solidFill>
@@ -11765,7 +11771,7 @@
               </a:ln>
               <a:extLst>
                 <a:ext uri="{91240B29-F687-4f45-9708-019B960494DF}">
-                  <a14:hiddenLine xmlns:a14="http://schemas.microsoft.com/office/drawing/2010/main" xmlns="" w="9525">
+                  <a14:hiddenLine xmlns="" xmlns:a14="http://schemas.microsoft.com/office/drawing/2010/main" w="9525">
                     <a:solidFill>
                       <a:srgbClr val="000000"/>
                     </a:solidFill>
@@ -11799,7 +11805,7 @@
               </a:ln>
               <a:extLst>
                 <a:ext uri="{91240B29-F687-4f45-9708-019B960494DF}">
-                  <a14:hiddenLine xmlns:a14="http://schemas.microsoft.com/office/drawing/2010/main" xmlns="" w="9525">
+                  <a14:hiddenLine xmlns="" xmlns:a14="http://schemas.microsoft.com/office/drawing/2010/main" w="9525">
                     <a:solidFill>
                       <a:srgbClr val="000000"/>
                     </a:solidFill>
@@ -11940,7 +11946,7 @@
             <a:fld id="{48A87A34-81AB-432B-8DAE-1953F412C126}" type="datetimeFigureOut">
               <a:rPr lang="en-US" dirty="0"/>
               <a:pPr/>
-              <a:t>6/11/2024</a:t>
+              <a:t>6/12/2024</a:t>
             </a:fld>
             <a:endParaRPr lang="en-US" dirty="0"/>
           </a:p>
@@ -13054,6 +13060,118 @@
 </p:sld>
 </file>
 
+<file path=ppt/slides/slide15.xml><?xml version="1.0" encoding="utf-8"?>
+<p:sld xmlns:a="http://schemas.openxmlformats.org/drawingml/2006/main" xmlns:r="http://schemas.openxmlformats.org/officeDocument/2006/relationships" xmlns:p="http://schemas.openxmlformats.org/presentationml/2006/main">
+  <p:cSld>
+    <p:spTree>
+      <p:nvGrpSpPr>
+        <p:cNvPr id="1" name=""/>
+        <p:cNvGrpSpPr/>
+        <p:nvPr/>
+      </p:nvGrpSpPr>
+      <p:grpSpPr>
+        <a:xfrm>
+          <a:off x="0" y="0"/>
+          <a:ext cx="0" cy="0"/>
+          <a:chOff x="0" y="0"/>
+          <a:chExt cx="0" cy="0"/>
+        </a:xfrm>
+      </p:grpSpPr>
+      <p:sp>
+        <p:nvSpPr>
+          <p:cNvPr id="2" name="Título 1">
+            <a:extLst>
+              <a:ext uri="{FF2B5EF4-FFF2-40B4-BE49-F238E27FC236}">
+                <a16:creationId xmlns:a16="http://schemas.microsoft.com/office/drawing/2014/main" id="{32A29226-8894-0B95-0C23-3AC3CD7598D4}"/>
+              </a:ext>
+            </a:extLst>
+          </p:cNvPr>
+          <p:cNvSpPr>
+            <a:spLocks noGrp="1"/>
+          </p:cNvSpPr>
+          <p:nvPr>
+            <p:ph type="title"/>
+          </p:nvPr>
+        </p:nvSpPr>
+        <p:spPr/>
+        <p:txBody>
+          <a:bodyPr/>
+          <a:lstStyle/>
+          <a:p>
+            <a:r>
+              <a:rPr lang="pt-BR" dirty="0"/>
+              <a:t>Pesquise	</a:t>
+            </a:r>
+          </a:p>
+        </p:txBody>
+      </p:sp>
+      <p:sp>
+        <p:nvSpPr>
+          <p:cNvPr id="3" name="Espaço Reservado para Conteúdo 2">
+            <a:extLst>
+              <a:ext uri="{FF2B5EF4-FFF2-40B4-BE49-F238E27FC236}">
+                <a16:creationId xmlns:a16="http://schemas.microsoft.com/office/drawing/2014/main" id="{C1BD18D5-C0E8-EA92-020F-8C13E5ECBCB8}"/>
+              </a:ext>
+            </a:extLst>
+          </p:cNvPr>
+          <p:cNvSpPr>
+            <a:spLocks noGrp="1"/>
+          </p:cNvSpPr>
+          <p:nvPr>
+            <p:ph idx="1"/>
+          </p:nvPr>
+        </p:nvSpPr>
+        <p:spPr/>
+        <p:txBody>
+          <a:bodyPr/>
+          <a:lstStyle/>
+          <a:p>
+            <a:r>
+              <a:rPr lang="pt-BR" dirty="0"/>
+              <a:t>Pesquise a maior diferença entre Bluetooth LE e Bluetooth Clássico.</a:t>
+            </a:r>
+          </a:p>
+          <a:p>
+            <a:r>
+              <a:rPr lang="pt-BR" dirty="0"/>
+              <a:t>Informe cenários reais que é utilizado o Bluetooth LE.</a:t>
+            </a:r>
+          </a:p>
+          <a:p>
+            <a:r>
+              <a:rPr lang="pt-BR" dirty="0"/>
+              <a:t>Informe grandes empresas que utilizam esse tipo de protocolo no seu ambiente de trabalho.</a:t>
+            </a:r>
+          </a:p>
+          <a:p>
+            <a:r>
+              <a:rPr lang="pt-BR" dirty="0"/>
+              <a:t>Sobre os protocolos informados nas aulas, quais melhores se encaixaram na </a:t>
+            </a:r>
+            <a:r>
+              <a:rPr lang="pt-BR" dirty="0" err="1"/>
+              <a:t>Ypê</a:t>
+            </a:r>
+            <a:r>
+              <a:rPr lang="pt-BR" dirty="0"/>
+              <a:t>?</a:t>
+            </a:r>
+          </a:p>
+        </p:txBody>
+      </p:sp>
+    </p:spTree>
+    <p:extLst>
+      <p:ext uri="{BB962C8B-B14F-4D97-AF65-F5344CB8AC3E}">
+        <p14:creationId xmlns:p14="http://schemas.microsoft.com/office/powerpoint/2010/main" val="2993079270"/>
+      </p:ext>
+    </p:extLst>
+  </p:cSld>
+  <p:clrMapOvr>
+    <a:masterClrMapping/>
+  </p:clrMapOvr>
+</p:sld>
+</file>
+
 <file path=ppt/slides/slide2.xml><?xml version="1.0" encoding="utf-8"?>
 <p:sld xmlns:a="http://schemas.openxmlformats.org/drawingml/2006/main" xmlns:r="http://schemas.openxmlformats.org/officeDocument/2006/relationships" xmlns:p="http://schemas.openxmlformats.org/presentationml/2006/main">
   <p:cSld>
